--- a/Presentation/Stack-Based Instruction Set architecture.pptx
+++ b/Presentation/Stack-Based Instruction Set architecture.pptx
@@ -5554,8 +5554,8 @@
         </p:nvSpPr>
         <p:spPr>
           <a:xfrm flipH="false" flipV="false" rot="0">
-            <a:off x="1396014" y="330064"/>
-            <a:ext cx="15495972" cy="9626872"/>
+            <a:off x="3350885" y="180052"/>
+            <a:ext cx="11586230" cy="9926895"/>
           </a:xfrm>
           <a:custGeom>
             <a:avLst/>
@@ -5564,18 +5564,18 @@
             <a:cxnLst/>
             <a:rect r="r" b="b" t="t" l="l"/>
             <a:pathLst>
-              <a:path h="9626872" w="15495972">
+              <a:path h="9926895" w="11586230">
                 <a:moveTo>
                   <a:pt x="0" y="0"/>
                 </a:moveTo>
                 <a:lnTo>
-                  <a:pt x="15495972" y="0"/>
+                  <a:pt x="11586230" y="0"/>
                 </a:lnTo>
                 <a:lnTo>
-                  <a:pt x="15495972" y="9626872"/>
+                  <a:pt x="11586230" y="9926896"/>
                 </a:lnTo>
                 <a:lnTo>
-                  <a:pt x="0" y="9626872"/>
+                  <a:pt x="0" y="9926896"/>
                 </a:lnTo>
                 <a:lnTo>
                   <a:pt x="0" y="0"/>
